--- a/Presentation/Presentation.pptx
+++ b/Presentation/Presentation.pptx
@@ -4006,7 +4006,7 @@
         <p:spPr>
           <a:xfrm>
             <a:off x="277091" y="1995053"/>
-            <a:ext cx="3763629" cy="1200329"/>
+            <a:ext cx="3763629" cy="2862322"/>
           </a:xfrm>
           <a:prstGeom prst="rect">
             <a:avLst/>
@@ -4018,6 +4018,25 @@
             <a:spAutoFit/>
           </a:bodyPr>
           <a:lstStyle/>
+          <a:p>
+            <a:r>
+              <a:rPr lang="en-US" dirty="0" smtClean="0"/>
+              <a:t>Two same models to increase training stability: target model and basic model</a:t>
+            </a:r>
+          </a:p>
+          <a:p>
+            <a:r>
+              <a:rPr lang="en-US" dirty="0" err="1" smtClean="0"/>
+              <a:t>Fisrt</a:t>
+            </a:r>
+            <a:r>
+              <a:rPr lang="en-US" dirty="0" smtClean="0"/>
+              <a:t> we train on basic model and every n iterations update target model</a:t>
+            </a:r>
+          </a:p>
+          <a:p>
+            <a:endParaRPr lang="en-US" dirty="0" smtClean="0"/>
+          </a:p>
           <a:p>
             <a:r>
               <a:rPr lang="en-US" dirty="0" smtClean="0"/>
@@ -4125,25 +4144,35 @@
           </a:p>
         </p:txBody>
       </p:sp>
-      <p:sp>
-        <p:nvSpPr>
-          <p:cNvPr id="3" name="Content Placeholder 2"/>
-          <p:cNvSpPr>
-            <a:spLocks noGrp="1"/>
-          </p:cNvSpPr>
+      <p:pic>
+        <p:nvPicPr>
+          <p:cNvPr id="4" name="Content Placeholder 3"/>
+          <p:cNvPicPr>
+            <a:picLocks noGrp="1" noChangeAspect="1"/>
+          </p:cNvPicPr>
           <p:nvPr>
             <p:ph idx="1"/>
           </p:nvPr>
-        </p:nvSpPr>
-        <p:spPr/>
-        <p:txBody>
-          <a:bodyPr/>
-          <a:lstStyle/>
-          <a:p>
-            <a:endParaRPr lang="en-US"/>
-          </a:p>
-        </p:txBody>
-      </p:sp>
+        </p:nvPicPr>
+        <p:blipFill>
+          <a:blip r:embed="rId2">
+            <a:extLst>
+              <a:ext uri="{28A0092B-C50C-407E-A947-70E740481C1C}">
+                <a14:useLocalDpi xmlns:a14="http://schemas.microsoft.com/office/drawing/2010/main" val="0"/>
+              </a:ext>
+            </a:extLst>
+          </a:blip>
+          <a:stretch>
+            <a:fillRect/>
+          </a:stretch>
+        </p:blipFill>
+        <p:spPr>
+          <a:xfrm>
+            <a:off x="3365500" y="2343944"/>
+            <a:ext cx="5461000" cy="3314700"/>
+          </a:xfrm>
+        </p:spPr>
+      </p:pic>
     </p:spTree>
     <p:extLst>
       <p:ext uri="{BB962C8B-B14F-4D97-AF65-F5344CB8AC3E}">
@@ -4197,25 +4226,35 @@
           </a:p>
         </p:txBody>
       </p:sp>
-      <p:sp>
-        <p:nvSpPr>
-          <p:cNvPr id="3" name="Content Placeholder 2"/>
-          <p:cNvSpPr>
-            <a:spLocks noGrp="1"/>
-          </p:cNvSpPr>
+      <p:pic>
+        <p:nvPicPr>
+          <p:cNvPr id="4" name="Content Placeholder 3"/>
+          <p:cNvPicPr>
+            <a:picLocks noGrp="1" noChangeAspect="1"/>
+          </p:cNvPicPr>
           <p:nvPr>
             <p:ph idx="1"/>
           </p:nvPr>
-        </p:nvSpPr>
-        <p:spPr/>
-        <p:txBody>
-          <a:bodyPr/>
-          <a:lstStyle/>
-          <a:p>
-            <a:endParaRPr lang="en-US"/>
-          </a:p>
-        </p:txBody>
-      </p:sp>
+        </p:nvPicPr>
+        <p:blipFill>
+          <a:blip r:embed="rId2">
+            <a:extLst>
+              <a:ext uri="{28A0092B-C50C-407E-A947-70E740481C1C}">
+                <a14:useLocalDpi xmlns:a14="http://schemas.microsoft.com/office/drawing/2010/main" val="0"/>
+              </a:ext>
+            </a:extLst>
+          </a:blip>
+          <a:stretch>
+            <a:fillRect/>
+          </a:stretch>
+        </p:blipFill>
+        <p:spPr>
+          <a:xfrm>
+            <a:off x="3359150" y="2286794"/>
+            <a:ext cx="5473700" cy="3429000"/>
+          </a:xfrm>
+        </p:spPr>
+      </p:pic>
     </p:spTree>
     <p:extLst>
       <p:ext uri="{BB962C8B-B14F-4D97-AF65-F5344CB8AC3E}">

--- a/Presentation/Presentation.pptx
+++ b/Presentation/Presentation.pptx
@@ -115,6 +115,11 @@
       </a:defRPr>
     </a:lvl9pPr>
   </p:defaultTextStyle>
+  <p:extLst>
+    <p:ext uri="{EFAFB233-063F-42B5-8137-9DF3F51BA10A}">
+      <p15:sldGuideLst xmlns:p15="http://schemas.microsoft.com/office/powerpoint/2012/main"/>
+    </p:ext>
+  </p:extLst>
 </p:presentation>
 </file>
 
@@ -200,7 +205,7 @@
           <a:p>
             <a:fld id="{FA4AA3C3-3BB5-334A-8BE7-3D4A17D617A7}" type="datetimeFigureOut">
               <a:rPr lang="en-US" smtClean="0"/>
-              <a:t>10/17/17</a:t>
+              <a:t>10/18/17</a:t>
             </a:fld>
             <a:endParaRPr lang="en-US"/>
           </a:p>
@@ -599,7 +604,7 @@
           <a:p>
             <a:fld id="{4C725A15-8E69-584A-A015-A0D57FA86B84}" type="datetimeFigureOut">
               <a:rPr lang="en-US" smtClean="0"/>
-              <a:t>10/17/17</a:t>
+              <a:t>10/18/17</a:t>
             </a:fld>
             <a:endParaRPr lang="en-US"/>
           </a:p>
@@ -769,7 +774,7 @@
           <a:p>
             <a:fld id="{4C725A15-8E69-584A-A015-A0D57FA86B84}" type="datetimeFigureOut">
               <a:rPr lang="en-US" smtClean="0"/>
-              <a:t>10/17/17</a:t>
+              <a:t>10/18/17</a:t>
             </a:fld>
             <a:endParaRPr lang="en-US"/>
           </a:p>
@@ -949,7 +954,7 @@
           <a:p>
             <a:fld id="{4C725A15-8E69-584A-A015-A0D57FA86B84}" type="datetimeFigureOut">
               <a:rPr lang="en-US" smtClean="0"/>
-              <a:t>10/17/17</a:t>
+              <a:t>10/18/17</a:t>
             </a:fld>
             <a:endParaRPr lang="en-US"/>
           </a:p>
@@ -1119,7 +1124,7 @@
           <a:p>
             <a:fld id="{4C725A15-8E69-584A-A015-A0D57FA86B84}" type="datetimeFigureOut">
               <a:rPr lang="en-US" smtClean="0"/>
-              <a:t>10/17/17</a:t>
+              <a:t>10/18/17</a:t>
             </a:fld>
             <a:endParaRPr lang="en-US"/>
           </a:p>
@@ -1365,7 +1370,7 @@
           <a:p>
             <a:fld id="{4C725A15-8E69-584A-A015-A0D57FA86B84}" type="datetimeFigureOut">
               <a:rPr lang="en-US" smtClean="0"/>
-              <a:t>10/17/17</a:t>
+              <a:t>10/18/17</a:t>
             </a:fld>
             <a:endParaRPr lang="en-US"/>
           </a:p>
@@ -1597,7 +1602,7 @@
           <a:p>
             <a:fld id="{4C725A15-8E69-584A-A015-A0D57FA86B84}" type="datetimeFigureOut">
               <a:rPr lang="en-US" smtClean="0"/>
-              <a:t>10/17/17</a:t>
+              <a:t>10/18/17</a:t>
             </a:fld>
             <a:endParaRPr lang="en-US"/>
           </a:p>
@@ -1964,7 +1969,7 @@
           <a:p>
             <a:fld id="{4C725A15-8E69-584A-A015-A0D57FA86B84}" type="datetimeFigureOut">
               <a:rPr lang="en-US" smtClean="0"/>
-              <a:t>10/17/17</a:t>
+              <a:t>10/18/17</a:t>
             </a:fld>
             <a:endParaRPr lang="en-US"/>
           </a:p>
@@ -2082,7 +2087,7 @@
           <a:p>
             <a:fld id="{4C725A15-8E69-584A-A015-A0D57FA86B84}" type="datetimeFigureOut">
               <a:rPr lang="en-US" smtClean="0"/>
-              <a:t>10/17/17</a:t>
+              <a:t>10/18/17</a:t>
             </a:fld>
             <a:endParaRPr lang="en-US"/>
           </a:p>
@@ -2177,7 +2182,7 @@
           <a:p>
             <a:fld id="{4C725A15-8E69-584A-A015-A0D57FA86B84}" type="datetimeFigureOut">
               <a:rPr lang="en-US" smtClean="0"/>
-              <a:t>10/17/17</a:t>
+              <a:t>10/18/17</a:t>
             </a:fld>
             <a:endParaRPr lang="en-US"/>
           </a:p>
@@ -2454,7 +2459,7 @@
           <a:p>
             <a:fld id="{4C725A15-8E69-584A-A015-A0D57FA86B84}" type="datetimeFigureOut">
               <a:rPr lang="en-US" smtClean="0"/>
-              <a:t>10/17/17</a:t>
+              <a:t>10/18/17</a:t>
             </a:fld>
             <a:endParaRPr lang="en-US"/>
           </a:p>
@@ -2707,7 +2712,7 @@
           <a:p>
             <a:fld id="{4C725A15-8E69-584A-A015-A0D57FA86B84}" type="datetimeFigureOut">
               <a:rPr lang="en-US" smtClean="0"/>
-              <a:t>10/17/17</a:t>
+              <a:t>10/18/17</a:t>
             </a:fld>
             <a:endParaRPr lang="en-US"/>
           </a:p>
@@ -2920,7 +2925,7 @@
           <a:p>
             <a:fld id="{4C725A15-8E69-584A-A015-A0D57FA86B84}" type="datetimeFigureOut">
               <a:rPr lang="en-US" smtClean="0"/>
-              <a:t>10/17/17</a:t>
+              <a:t>10/18/17</a:t>
             </a:fld>
             <a:endParaRPr lang="en-US"/>
           </a:p>
@@ -4173,6 +4178,36 @@
           </a:xfrm>
         </p:spPr>
       </p:pic>
+      <p:pic>
+        <p:nvPicPr>
+          <p:cNvPr id="3" name="Picture 2"/>
+          <p:cNvPicPr>
+            <a:picLocks noChangeAspect="1"/>
+          </p:cNvPicPr>
+          <p:nvPr/>
+        </p:nvPicPr>
+        <p:blipFill>
+          <a:blip r:embed="rId3">
+            <a:extLst>
+              <a:ext uri="{28A0092B-C50C-407E-A947-70E740481C1C}">
+                <a14:useLocalDpi xmlns:a14="http://schemas.microsoft.com/office/drawing/2010/main" val="0"/>
+              </a:ext>
+            </a:extLst>
+          </a:blip>
+          <a:stretch>
+            <a:fillRect/>
+          </a:stretch>
+        </p:blipFill>
+        <p:spPr>
+          <a:xfrm>
+            <a:off x="3892550" y="2001044"/>
+            <a:ext cx="4406900" cy="342900"/>
+          </a:xfrm>
+          <a:prstGeom prst="rect">
+            <a:avLst/>
+          </a:prstGeom>
+        </p:spPr>
+      </p:pic>
     </p:spTree>
     <p:extLst>
       <p:ext uri="{BB962C8B-B14F-4D97-AF65-F5344CB8AC3E}">
@@ -4253,6 +4288,36 @@
             <a:off x="3359150" y="2286794"/>
             <a:ext cx="5473700" cy="3429000"/>
           </a:xfrm>
+        </p:spPr>
+      </p:pic>
+      <p:pic>
+        <p:nvPicPr>
+          <p:cNvPr id="5" name="Picture 4"/>
+          <p:cNvPicPr>
+            <a:picLocks noChangeAspect="1"/>
+          </p:cNvPicPr>
+          <p:nvPr/>
+        </p:nvPicPr>
+        <p:blipFill>
+          <a:blip r:embed="rId3">
+            <a:extLst>
+              <a:ext uri="{28A0092B-C50C-407E-A947-70E740481C1C}">
+                <a14:useLocalDpi xmlns:a14="http://schemas.microsoft.com/office/drawing/2010/main" val="0"/>
+              </a:ext>
+            </a:extLst>
+          </a:blip>
+          <a:stretch>
+            <a:fillRect/>
+          </a:stretch>
+        </p:blipFill>
+        <p:spPr>
+          <a:xfrm>
+            <a:off x="4044950" y="1943894"/>
+            <a:ext cx="4406900" cy="342900"/>
+          </a:xfrm>
+          <a:prstGeom prst="rect">
+            <a:avLst/>
+          </a:prstGeom>
         </p:spPr>
       </p:pic>
     </p:spTree>
